--- a/A piece of cake.pptx
+++ b/A piece of cake.pptx
@@ -5,29 +5,28 @@
     <p:sldMasterId id="2147484229" r:id="rId4"/>
   </p:sldMasterIdLst>
   <p:notesMasterIdLst>
-    <p:notesMasterId r:id="rId22"/>
+    <p:notesMasterId r:id="rId21"/>
   </p:notesMasterIdLst>
   <p:handoutMasterIdLst>
-    <p:handoutMasterId r:id="rId23"/>
+    <p:handoutMasterId r:id="rId22"/>
   </p:handoutMasterIdLst>
   <p:sldIdLst>
     <p:sldId id="1590" r:id="rId5"/>
-    <p:sldId id="1636" r:id="rId6"/>
-    <p:sldId id="1592" r:id="rId7"/>
-    <p:sldId id="1595" r:id="rId8"/>
-    <p:sldId id="1633" r:id="rId9"/>
-    <p:sldId id="1626" r:id="rId10"/>
-    <p:sldId id="1629" r:id="rId11"/>
-    <p:sldId id="1628" r:id="rId12"/>
-    <p:sldId id="1630" r:id="rId13"/>
+    <p:sldId id="1592" r:id="rId6"/>
+    <p:sldId id="1595" r:id="rId7"/>
+    <p:sldId id="1633" r:id="rId8"/>
+    <p:sldId id="1626" r:id="rId9"/>
+    <p:sldId id="1629" r:id="rId10"/>
+    <p:sldId id="1628" r:id="rId11"/>
+    <p:sldId id="1630" r:id="rId12"/>
+    <p:sldId id="1634" r:id="rId13"/>
     <p:sldId id="1604" r:id="rId14"/>
-    <p:sldId id="1634" r:id="rId15"/>
-    <p:sldId id="1607" r:id="rId16"/>
-    <p:sldId id="1606" r:id="rId17"/>
-    <p:sldId id="1599" r:id="rId18"/>
-    <p:sldId id="1631" r:id="rId19"/>
-    <p:sldId id="1632" r:id="rId20"/>
-    <p:sldId id="1635" r:id="rId21"/>
+    <p:sldId id="1607" r:id="rId15"/>
+    <p:sldId id="1606" r:id="rId16"/>
+    <p:sldId id="1599" r:id="rId17"/>
+    <p:sldId id="1631" r:id="rId18"/>
+    <p:sldId id="1632" r:id="rId19"/>
+    <p:sldId id="1635" r:id="rId20"/>
   </p:sldIdLst>
   <p:sldSz cx="9326563" cy="6994525"/>
   <p:notesSz cx="6858000" cy="9144000"/>
@@ -670,7 +669,7 @@
               <a:rPr lang="en-US" smtClean="0">
                 <a:latin typeface="Segoe UI" pitchFamily="34" charset="0"/>
               </a:rPr>
-              <a:t>5/20/2021 1:31 AM</a:t>
+              <a:t>5/21/2021 3:23 PM</a:t>
             </a:fld>
             <a:endParaRPr lang="en-US" dirty="0">
               <a:latin typeface="Segoe UI" pitchFamily="34" charset="0"/>
@@ -951,7 +950,7 @@
           <a:p>
             <a:fld id="{EB164A89-A94B-4E43-9307-5BD340BF6E72}" type="datetime8">
               <a:rPr lang="en-US" smtClean="0"/>
-              <a:t>5/20/2021 1:30 AM</a:t>
+              <a:t>5/21/2021 3:22 PM</a:t>
             </a:fld>
             <a:endParaRPr lang="en-US" dirty="0"/>
           </a:p>
@@ -4414,69 +4413,6 @@
           <a:chExt cx="0" cy="0"/>
         </a:xfrm>
       </p:grpSpPr>
-      <p:pic>
-        <p:nvPicPr>
-          <p:cNvPr id="3" name="Picture 2">
-            <a:extLst>
-              <a:ext uri="{FF2B5EF4-FFF2-40B4-BE49-F238E27FC236}">
-                <a16:creationId xmlns:a16="http://schemas.microsoft.com/office/drawing/2014/main" id="{3E29DF67-7ABD-4EE2-BEED-5240064368C6}"/>
-              </a:ext>
-            </a:extLst>
-          </p:cNvPr>
-          <p:cNvPicPr>
-            <a:picLocks noChangeAspect="1"/>
-          </p:cNvPicPr>
-          <p:nvPr/>
-        </p:nvPicPr>
-        <p:blipFill>
-          <a:blip r:embed="rId2"/>
-          <a:stretch>
-            <a:fillRect/>
-          </a:stretch>
-        </p:blipFill>
-        <p:spPr>
-          <a:xfrm>
-            <a:off x="361834" y="906462"/>
-            <a:ext cx="8602894" cy="4876800"/>
-          </a:xfrm>
-          <a:prstGeom prst="rect">
-            <a:avLst/>
-          </a:prstGeom>
-        </p:spPr>
-      </p:pic>
-    </p:spTree>
-    <p:extLst>
-      <p:ext uri="{BB962C8B-B14F-4D97-AF65-F5344CB8AC3E}">
-        <p14:creationId xmlns:p14="http://schemas.microsoft.com/office/powerpoint/2010/main" val="1711884003"/>
-      </p:ext>
-    </p:extLst>
-  </p:cSld>
-  <p:clrMapOvr>
-    <a:masterClrMapping/>
-  </p:clrMapOvr>
-  <p:transition>
-    <p:fade/>
-  </p:transition>
-</p:sld>
-</file>
-
-<file path=ppt/slides/slide12.xml><?xml version="1.0" encoding="utf-8"?>
-<p:sld xmlns:a="http://schemas.openxmlformats.org/drawingml/2006/main" xmlns:r="http://schemas.openxmlformats.org/officeDocument/2006/relationships" xmlns:p="http://schemas.openxmlformats.org/presentationml/2006/main">
-  <p:cSld>
-    <p:spTree>
-      <p:nvGrpSpPr>
-        <p:cNvPr id="1" name=""/>
-        <p:cNvGrpSpPr/>
-        <p:nvPr/>
-      </p:nvGrpSpPr>
-      <p:grpSpPr>
-        <a:xfrm>
-          <a:off x="0" y="0"/>
-          <a:ext cx="0" cy="0"/>
-          <a:chOff x="0" y="0"/>
-          <a:chExt cx="0" cy="0"/>
-        </a:xfrm>
-      </p:grpSpPr>
       <p:sp>
         <p:nvSpPr>
           <p:cNvPr id="3" name="Title 2">
@@ -5796,7 +5732,7 @@
 </p:sld>
 </file>
 
-<file path=ppt/slides/slide13.xml><?xml version="1.0" encoding="utf-8"?>
+<file path=ppt/slides/slide12.xml><?xml version="1.0" encoding="utf-8"?>
 <p:sld xmlns:a="http://schemas.openxmlformats.org/drawingml/2006/main" xmlns:r="http://schemas.openxmlformats.org/officeDocument/2006/relationships" xmlns:p="http://schemas.openxmlformats.org/presentationml/2006/main">
   <p:cSld>
     <p:spTree>
@@ -6213,7 +6149,7 @@
 </p:sld>
 </file>
 
-<file path=ppt/slides/slide14.xml><?xml version="1.0" encoding="utf-8"?>
+<file path=ppt/slides/slide13.xml><?xml version="1.0" encoding="utf-8"?>
 <p:sld xmlns:a="http://schemas.openxmlformats.org/drawingml/2006/main" xmlns:r="http://schemas.openxmlformats.org/officeDocument/2006/relationships" xmlns:p="http://schemas.openxmlformats.org/presentationml/2006/main">
   <p:cSld>
     <p:spTree>
@@ -6310,7 +6246,7 @@
 </p:sld>
 </file>
 
-<file path=ppt/slides/slide15.xml><?xml version="1.0" encoding="utf-8"?>
+<file path=ppt/slides/slide14.xml><?xml version="1.0" encoding="utf-8"?>
 <p:sld xmlns:a="http://schemas.openxmlformats.org/drawingml/2006/main" xmlns:r="http://schemas.openxmlformats.org/officeDocument/2006/relationships" xmlns:p="http://schemas.openxmlformats.org/presentationml/2006/main">
   <p:cSld>
     <p:spTree>
@@ -7723,7 +7659,7 @@
 </p:sld>
 </file>
 
-<file path=ppt/slides/slide16.xml><?xml version="1.0" encoding="utf-8"?>
+<file path=ppt/slides/slide15.xml><?xml version="1.0" encoding="utf-8"?>
 <p:sld xmlns:a="http://schemas.openxmlformats.org/drawingml/2006/main" xmlns:r="http://schemas.openxmlformats.org/officeDocument/2006/relationships" xmlns:p="http://schemas.openxmlformats.org/presentationml/2006/main">
   <p:cSld>
     <p:spTree>
@@ -7978,7 +7914,7 @@
 </p:sld>
 </file>
 
-<file path=ppt/slides/slide17.xml><?xml version="1.0" encoding="utf-8"?>
+<file path=ppt/slides/slide16.xml><?xml version="1.0" encoding="utf-8"?>
 <p:sld xmlns:a="http://schemas.openxmlformats.org/drawingml/2006/main" xmlns:r="http://schemas.openxmlformats.org/officeDocument/2006/relationships" xmlns:p="http://schemas.openxmlformats.org/presentationml/2006/main">
   <p:cSld>
     <p:spTree>
@@ -8439,64 +8375,6 @@
       </p:grpSpPr>
       <p:sp>
         <p:nvSpPr>
-          <p:cNvPr id="2" name="Title 1">
-            <a:extLst>
-              <a:ext uri="{FF2B5EF4-FFF2-40B4-BE49-F238E27FC236}">
-                <a16:creationId xmlns:a16="http://schemas.microsoft.com/office/drawing/2014/main" id="{D3037DBF-C934-43C3-8C68-57A427E9E481}"/>
-              </a:ext>
-            </a:extLst>
-          </p:cNvPr>
-          <p:cNvSpPr>
-            <a:spLocks noGrp="1"/>
-          </p:cNvSpPr>
-          <p:nvPr>
-            <p:ph type="title"/>
-          </p:nvPr>
-        </p:nvSpPr>
-        <p:spPr/>
-        <p:txBody>
-          <a:bodyPr/>
-          <a:lstStyle/>
-          <a:p>
-            <a:endParaRPr lang="uk-UA"/>
-          </a:p>
-        </p:txBody>
-      </p:sp>
-    </p:spTree>
-    <p:extLst>
-      <p:ext uri="{BB962C8B-B14F-4D97-AF65-F5344CB8AC3E}">
-        <p14:creationId xmlns:p14="http://schemas.microsoft.com/office/powerpoint/2010/main" val="1103221531"/>
-      </p:ext>
-    </p:extLst>
-  </p:cSld>
-  <p:clrMapOvr>
-    <a:masterClrMapping/>
-  </p:clrMapOvr>
-  <p:transition>
-    <p:fade/>
-  </p:transition>
-</p:sld>
-</file>
-
-<file path=ppt/slides/slide3.xml><?xml version="1.0" encoding="utf-8"?>
-<p:sld xmlns:a="http://schemas.openxmlformats.org/drawingml/2006/main" xmlns:r="http://schemas.openxmlformats.org/officeDocument/2006/relationships" xmlns:p="http://schemas.openxmlformats.org/presentationml/2006/main">
-  <p:cSld>
-    <p:spTree>
-      <p:nvGrpSpPr>
-        <p:cNvPr id="1" name=""/>
-        <p:cNvGrpSpPr/>
-        <p:nvPr/>
-      </p:nvGrpSpPr>
-      <p:grpSpPr>
-        <a:xfrm>
-          <a:off x="0" y="0"/>
-          <a:ext cx="0" cy="0"/>
-          <a:chOff x="0" y="0"/>
-          <a:chExt cx="0" cy="0"/>
-        </a:xfrm>
-      </p:grpSpPr>
-      <p:sp>
-        <p:nvSpPr>
           <p:cNvPr id="3" name="Text Placeholder 2"/>
           <p:cNvSpPr>
             <a:spLocks noGrp="1"/>
@@ -8617,7 +8495,7 @@
 </p:sld>
 </file>
 
-<file path=ppt/slides/slide4.xml><?xml version="1.0" encoding="utf-8"?>
+<file path=ppt/slides/slide3.xml><?xml version="1.0" encoding="utf-8"?>
 <p:sld xmlns:a="http://schemas.openxmlformats.org/drawingml/2006/main" xmlns:r="http://schemas.openxmlformats.org/officeDocument/2006/relationships" xmlns:p="http://schemas.openxmlformats.org/presentationml/2006/main">
   <p:cSld>
     <p:spTree>
@@ -9541,7 +9419,7 @@
 </p:sld>
 </file>
 
-<file path=ppt/slides/slide5.xml><?xml version="1.0" encoding="utf-8"?>
+<file path=ppt/slides/slide4.xml><?xml version="1.0" encoding="utf-8"?>
 <p:sld xmlns:a="http://schemas.openxmlformats.org/drawingml/2006/main" xmlns:r="http://schemas.openxmlformats.org/officeDocument/2006/relationships" xmlns:p="http://schemas.openxmlformats.org/presentationml/2006/main">
   <p:cSld>
     <p:spTree>
@@ -9710,7 +9588,7 @@
 </p:sld>
 </file>
 
-<file path=ppt/slides/slide6.xml><?xml version="1.0" encoding="utf-8"?>
+<file path=ppt/slides/slide5.xml><?xml version="1.0" encoding="utf-8"?>
 <p:sld xmlns:a="http://schemas.openxmlformats.org/drawingml/2006/main" xmlns:r="http://schemas.openxmlformats.org/officeDocument/2006/relationships" xmlns:p="http://schemas.openxmlformats.org/presentationml/2006/main">
   <p:cSld>
     <p:spTree>
@@ -10369,7 +10247,7 @@
 </p:sld>
 </file>
 
-<file path=ppt/slides/slide7.xml><?xml version="1.0" encoding="utf-8"?>
+<file path=ppt/slides/slide6.xml><?xml version="1.0" encoding="utf-8"?>
 <p:sld xmlns:a="http://schemas.openxmlformats.org/drawingml/2006/main" xmlns:r="http://schemas.openxmlformats.org/officeDocument/2006/relationships" xmlns:p="http://schemas.openxmlformats.org/presentationml/2006/main">
   <p:cSld>
     <p:spTree>
@@ -10973,7 +10851,7 @@
 </p:sld>
 </file>
 
-<file path=ppt/slides/slide8.xml><?xml version="1.0" encoding="utf-8"?>
+<file path=ppt/slides/slide7.xml><?xml version="1.0" encoding="utf-8"?>
 <p:sld xmlns:a="http://schemas.openxmlformats.org/drawingml/2006/main" xmlns:r="http://schemas.openxmlformats.org/officeDocument/2006/relationships" xmlns:p="http://schemas.openxmlformats.org/presentationml/2006/main">
   <p:cSld>
     <p:spTree>
@@ -13332,7 +13210,7 @@
 </p:sld>
 </file>
 
-<file path=ppt/slides/slide9.xml><?xml version="1.0" encoding="utf-8"?>
+<file path=ppt/slides/slide8.xml><?xml version="1.0" encoding="utf-8"?>
 <p:sld xmlns:a="http://schemas.openxmlformats.org/drawingml/2006/main" xmlns:r="http://schemas.openxmlformats.org/officeDocument/2006/relationships" xmlns:p="http://schemas.openxmlformats.org/presentationml/2006/main">
   <p:cSld>
     <p:spTree>
@@ -16113,6 +15991,149 @@
 </p:sld>
 </file>
 
+<file path=ppt/slides/slide9.xml><?xml version="1.0" encoding="utf-8"?>
+<p:sld xmlns:a="http://schemas.openxmlformats.org/drawingml/2006/main" xmlns:r="http://schemas.openxmlformats.org/officeDocument/2006/relationships" xmlns:p="http://schemas.openxmlformats.org/presentationml/2006/main">
+  <p:cSld>
+    <p:spTree>
+      <p:nvGrpSpPr>
+        <p:cNvPr id="1" name=""/>
+        <p:cNvGrpSpPr/>
+        <p:nvPr/>
+      </p:nvGrpSpPr>
+      <p:grpSpPr>
+        <a:xfrm>
+          <a:off x="0" y="0"/>
+          <a:ext cx="0" cy="0"/>
+          <a:chOff x="0" y="0"/>
+          <a:chExt cx="0" cy="0"/>
+        </a:xfrm>
+      </p:grpSpPr>
+      <p:pic>
+        <p:nvPicPr>
+          <p:cNvPr id="3" name="Picture 2">
+            <a:extLst>
+              <a:ext uri="{FF2B5EF4-FFF2-40B4-BE49-F238E27FC236}">
+                <a16:creationId xmlns:a16="http://schemas.microsoft.com/office/drawing/2014/main" id="{3E29DF67-7ABD-4EE2-BEED-5240064368C6}"/>
+              </a:ext>
+            </a:extLst>
+          </p:cNvPr>
+          <p:cNvPicPr>
+            <a:picLocks noChangeAspect="1"/>
+          </p:cNvPicPr>
+          <p:nvPr/>
+        </p:nvPicPr>
+        <p:blipFill>
+          <a:blip r:embed="rId2"/>
+          <a:stretch>
+            <a:fillRect/>
+          </a:stretch>
+        </p:blipFill>
+        <p:spPr>
+          <a:xfrm>
+            <a:off x="361834" y="906462"/>
+            <a:ext cx="8602894" cy="4876800"/>
+          </a:xfrm>
+          <a:prstGeom prst="rect">
+            <a:avLst/>
+          </a:prstGeom>
+        </p:spPr>
+      </p:pic>
+      <p:sp>
+        <p:nvSpPr>
+          <p:cNvPr id="4" name="Rectangle 3">
+            <a:extLst>
+              <a:ext uri="{FF2B5EF4-FFF2-40B4-BE49-F238E27FC236}">
+                <a16:creationId xmlns:a16="http://schemas.microsoft.com/office/drawing/2014/main" id="{8794EE0D-D042-4E5C-8841-D6AB64074292}"/>
+              </a:ext>
+            </a:extLst>
+          </p:cNvPr>
+          <p:cNvSpPr/>
+          <p:nvPr/>
+        </p:nvSpPr>
+        <p:spPr>
+          <a:xfrm>
+            <a:off x="1" y="6625193"/>
+            <a:ext cx="9326562" cy="646331"/>
+          </a:xfrm>
+          <a:prstGeom prst="rect">
+            <a:avLst/>
+          </a:prstGeom>
+        </p:spPr>
+        <p:txBody>
+          <a:bodyPr wrap="square">
+            <a:spAutoFit/>
+          </a:bodyPr>
+          <a:lstStyle/>
+          <a:p>
+            <a:pPr algn="ctr"/>
+            <a:r>
+              <a:rPr lang="en-US" dirty="0"/>
+              <a:t>Source: </a:t>
+            </a:r>
+            <a:r>
+              <a:rPr lang="en-US" dirty="0">
+                <a:hlinkClick r:id="rId3"/>
+              </a:rPr>
+              <a:t>https://github.com/Marusyk/GitHubCalendar</a:t>
+            </a:r>
+            <a:endParaRPr lang="uk-UA" dirty="0"/>
+          </a:p>
+          <a:p>
+            <a:pPr algn="ctr"/>
+            <a:endParaRPr lang="uk-UA" dirty="0"/>
+          </a:p>
+        </p:txBody>
+      </p:sp>
+      <p:sp>
+        <p:nvSpPr>
+          <p:cNvPr id="5" name="Title 1">
+            <a:extLst>
+              <a:ext uri="{FF2B5EF4-FFF2-40B4-BE49-F238E27FC236}">
+                <a16:creationId xmlns:a16="http://schemas.microsoft.com/office/drawing/2014/main" id="{0338F502-E24D-4F2B-BA51-56B6DF2C2DF1}"/>
+              </a:ext>
+            </a:extLst>
+          </p:cNvPr>
+          <p:cNvSpPr>
+            <a:spLocks noGrp="1"/>
+          </p:cNvSpPr>
+          <p:nvPr>
+            <p:ph type="title"/>
+          </p:nvPr>
+        </p:nvSpPr>
+        <p:spPr>
+          <a:xfrm>
+            <a:off x="205073" y="3738"/>
+            <a:ext cx="8916415" cy="917575"/>
+          </a:xfrm>
+        </p:spPr>
+        <p:txBody>
+          <a:bodyPr/>
+          <a:lstStyle/>
+          <a:p>
+            <a:pPr algn="ctr"/>
+            <a:r>
+              <a:rPr lang="en-US" dirty="0"/>
+              <a:t>GitHub Calendar</a:t>
+            </a:r>
+          </a:p>
+        </p:txBody>
+      </p:sp>
+    </p:spTree>
+    <p:extLst>
+      <p:ext uri="{BB962C8B-B14F-4D97-AF65-F5344CB8AC3E}">
+        <p14:creationId xmlns:p14="http://schemas.microsoft.com/office/powerpoint/2010/main" val="1711884003"/>
+      </p:ext>
+    </p:extLst>
+  </p:cSld>
+  <p:clrMapOvr>
+    <a:masterClrMapping/>
+  </p:clrMapOvr>
+  <p:transition>
+    <p:fade/>
+  </p:transition>
+</p:sld>
+</file>
+
 <file path=ppt/theme/theme1.xml><?xml version="1.0" encoding="utf-8"?>
 <a:theme xmlns:a="http://schemas.openxmlformats.org/drawingml/2006/main" name="5-50002_Ignite_Breakout_Template">
   <a:themeElements>
